--- a/draft-gandhi-mpls-rfc6374-sr-04.pptx
+++ b/draft-gandhi-mpls-rfc6374-sr-04.pptx
@@ -8237,8 +8237,8 @@
         </p:nvSpPr>
         <p:spPr>
           <a:xfrm>
-            <a:off x="990600" y="857876"/>
-            <a:ext cx="7391400" cy="2123658"/>
+            <a:off x="1371600" y="780693"/>
+            <a:ext cx="6248400" cy="2400657"/>
           </a:xfrm>
           <a:prstGeom prst="rect">
             <a:avLst/>
@@ -8256,7 +8256,7 @@
           <a:lstStyle/>
           <a:p>
             <a:r>
-              <a:rPr lang="en-CA" sz="1200" dirty="0">
+              <a:rPr lang="en-CA" sz="1000" dirty="0">
                 <a:latin typeface="Courier" pitchFamily="2" charset="0"/>
               </a:rPr>
               <a:t>    0                   1                   2                   3</a:t>
@@ -8264,7 +8264,7 @@
           </a:p>
           <a:p>
             <a:r>
-              <a:rPr lang="en-CA" sz="1200" dirty="0">
+              <a:rPr lang="en-CA" sz="1000" dirty="0">
                 <a:latin typeface="Courier" pitchFamily="2" charset="0"/>
               </a:rPr>
               <a:t>    0 1 2 3 4 5 6 7 8 9 0 1 2 3 4 5 6 7 8 9 0 1 2 3 4 5 6 7 8 9 0 1</a:t>
@@ -8272,7 +8272,7 @@
           </a:p>
           <a:p>
             <a:r>
-              <a:rPr lang="en-CA" sz="1200" dirty="0">
+              <a:rPr lang="en-CA" sz="1000" dirty="0">
                 <a:latin typeface="Courier" pitchFamily="2" charset="0"/>
               </a:rPr>
               <a:t>    +-+-+-+-+-+-+-+-+-+-+-+-+-+-+-+-+-+-+-+-+-+-+-+-+-+-+-+-+-+-+-+-+</a:t>
@@ -8280,7 +8280,7 @@
           </a:p>
           <a:p>
             <a:r>
-              <a:rPr lang="en-CA" sz="1200" dirty="0">
+              <a:rPr lang="en-CA" sz="1000" dirty="0">
                 <a:latin typeface="Courier" pitchFamily="2" charset="0"/>
               </a:rPr>
               <a:t>    |              Tree-SID                 | TC  |S|      TTL      |</a:t>
@@ -8288,23 +8288,81 @@
           </a:p>
           <a:p>
             <a:r>
-              <a:rPr lang="en-CA" sz="1200" dirty="0">
+              <a:rPr lang="en-CA" sz="1000" dirty="0">
                 <a:latin typeface="Courier" pitchFamily="2" charset="0"/>
               </a:rPr>
               <a:t>    +-+-+-+-+-+-+-+-+-+-+-+-+-+-+-+-+-+-+-+-+-+-+-+-+-+-+-+-+-+-+-+-+</a:t>
             </a:r>
           </a:p>
           <a:p>
-            <a:r>
-              <a:rPr lang="en-CA" sz="1200" dirty="0">
+            <a:pPr>
+              <a:spcAft>
+                <a:spcPts val="0"/>
+              </a:spcAft>
+            </a:pPr>
+            <a:r>
+              <a:rPr lang="en-CA" sz="1000" dirty="0">
                 <a:latin typeface="Courier" pitchFamily="2" charset="0"/>
+                <a:ea typeface="Calibri" panose="020F0502020204030204" pitchFamily="34" charset="0"/>
+                <a:cs typeface="Courier New" panose="02070309020205020404" pitchFamily="49" charset="0"/>
+              </a:rPr>
+              <a:t>    .                                                               .</a:t>
+            </a:r>
+          </a:p>
+          <a:p>
+            <a:pPr>
+              <a:spcAft>
+                <a:spcPts val="0"/>
+              </a:spcAft>
+            </a:pPr>
+            <a:r>
+              <a:rPr lang="en-CA" sz="1000" dirty="0">
+                <a:latin typeface="Courier" pitchFamily="2" charset="0"/>
+                <a:ea typeface="Calibri" panose="020F0502020204030204" pitchFamily="34" charset="0"/>
+                <a:cs typeface="Courier New" panose="02070309020205020404" pitchFamily="49" charset="0"/>
+              </a:rPr>
+              <a:t>    .                                                               .</a:t>
+            </a:r>
+          </a:p>
+          <a:p>
+            <a:pPr>
+              <a:spcAft>
+                <a:spcPts val="0"/>
+              </a:spcAft>
+            </a:pPr>
+            <a:r>
+              <a:rPr lang="en-CA" sz="1000" dirty="0">
+                <a:latin typeface="Courier" pitchFamily="2" charset="0"/>
+                <a:ea typeface="Calibri" panose="020F0502020204030204" pitchFamily="34" charset="0"/>
+                <a:cs typeface="Courier New" panose="02070309020205020404" pitchFamily="49" charset="0"/>
+              </a:rPr>
+              <a:t>    .                                                               .</a:t>
+            </a:r>
+          </a:p>
+          <a:p>
+            <a:pPr>
+              <a:spcAft>
+                <a:spcPts val="0"/>
+              </a:spcAft>
+            </a:pPr>
+            <a:r>
+              <a:rPr lang="en-CA" sz="1000" dirty="0">
+                <a:latin typeface="Courier" pitchFamily="2" charset="0"/>
+              </a:rPr>
+              <a:t>    +-+-+-+-+-+-+-+-+-+-+-+-+-+-+-+-+-+-+-+-+-+-+-+-+-+-+-+-+-+-+-+-+</a:t>
+            </a:r>
+          </a:p>
+          <a:p>
+            <a:r>
+              <a:rPr lang="en-CA" sz="1000" dirty="0">
+                <a:latin typeface="Courier" pitchFamily="2" charset="0"/>
               </a:rPr>
               <a:t>    |              GAL (value 13)           | TC  |1|      TTL      |</a:t>
             </a:r>
           </a:p>
           <a:p>
             <a:r>
-              <a:rPr lang="en-CA" sz="1200" dirty="0">
+              <a:rPr lang="en-CA" sz="1000" dirty="0">
                 <a:latin typeface="Courier" pitchFamily="2" charset="0"/>
               </a:rPr>
               <a:t>    +-+-+-+-+-+-+-+-+-+-+-+-+-+-+-+-+-+-+-+-+-+-+-+-+-+-+-+-+-+-+-+-+</a:t>
@@ -8312,7 +8370,7 @@
           </a:p>
           <a:p>
             <a:r>
-              <a:rPr lang="en-CA" sz="1200" dirty="0">
+              <a:rPr lang="en-CA" sz="1000" dirty="0">
                 <a:latin typeface="Courier" pitchFamily="2" charset="0"/>
               </a:rPr>
               <a:t>    |0 0 0 1|Version|  Reserved     | GAL Channel Type              |</a:t>
@@ -8320,7 +8378,7 @@
           </a:p>
           <a:p>
             <a:r>
-              <a:rPr lang="en-CA" sz="1200" dirty="0">
+              <a:rPr lang="en-CA" sz="1000" dirty="0">
                 <a:latin typeface="Courier" pitchFamily="2" charset="0"/>
               </a:rPr>
               <a:t>    +-+-+-+-+-+-+-+-+-+-+-+-+-+-+-+-+-+-+-+-+-+-+-+-+-+-+-+-+-+-+-+-+</a:t>
@@ -8328,7 +8386,7 @@
           </a:p>
           <a:p>
             <a:r>
-              <a:rPr lang="en-CA" sz="1200" dirty="0">
+              <a:rPr lang="en-CA" sz="1000" dirty="0">
                 <a:latin typeface="Courier" pitchFamily="2" charset="0"/>
               </a:rPr>
               <a:t> </a:t>
@@ -8336,12 +8394,12 @@
           </a:p>
           <a:p>
             <a:r>
-              <a:rPr lang="en-CA" sz="1200" dirty="0">
+              <a:rPr lang="en-CA" sz="1000" dirty="0">
                 <a:latin typeface="Courier" pitchFamily="2" charset="0"/>
               </a:rPr>
               <a:t> Figure: Example Probe Query with Replication Segment for P2MP SR-MPLS Policy</a:t>
             </a:r>
-            <a:endParaRPr lang="en-CA" sz="1200" dirty="0">
+            <a:endParaRPr lang="en-CA" sz="1000" dirty="0">
               <a:latin typeface="Courier" pitchFamily="2" charset="0"/>
               <a:cs typeface="Courier New" panose="02070309020205020404" pitchFamily="49" charset="0"/>
             </a:endParaRPr>
@@ -8401,8 +8459,8 @@
         </p:nvSpPr>
         <p:spPr>
           <a:xfrm>
-            <a:off x="514350" y="3044529"/>
-            <a:ext cx="8343900" cy="1467005"/>
+            <a:off x="228600" y="3287499"/>
+            <a:ext cx="8763000" cy="1349087"/>
           </a:xfrm>
           <a:prstGeom prst="rect">
             <a:avLst/>
@@ -8416,7 +8474,7 @@
           <a:p>
             <a:pPr marL="171450" indent="-171450">
               <a:lnSpc>
-                <a:spcPts val="1840"/>
+                <a:spcPts val="1640"/>
               </a:lnSpc>
               <a:spcBef>
                 <a:spcPts val="600"/>
@@ -8432,13 +8490,13 @@
                 <a:latin typeface="Calibri" panose="020F0502020204030204" pitchFamily="34" charset="0"/>
                 <a:cs typeface="Calibri" panose="020F0502020204030204" pitchFamily="34" charset="0"/>
               </a:rPr>
-              <a:t>One-way and loopback modes for delay and loss measurement for P2MP SR-MPLS Policy.</a:t>
-            </a:r>
-          </a:p>
-          <a:p>
-            <a:pPr marL="171450" indent="-171450">
+              <a:t>One-way mode for delay and loss measurement for P2MP SR-MPLS Policy as follows:</a:t>
+            </a:r>
+          </a:p>
+          <a:p>
+            <a:pPr marL="628650" lvl="1" indent="-171450">
               <a:lnSpc>
-                <a:spcPts val="1840"/>
+                <a:spcPts val="1640"/>
               </a:lnSpc>
               <a:spcBef>
                 <a:spcPts val="600"/>
@@ -8458,9 +8516,9 @@
             </a:r>
           </a:p>
           <a:p>
-            <a:pPr marL="171450" indent="-171450">
+            <a:pPr marL="628650" lvl="1" indent="-171450">
               <a:lnSpc>
-                <a:spcPts val="1840"/>
+                <a:spcPts val="1640"/>
               </a:lnSpc>
               <a:spcBef>
                 <a:spcPts val="600"/>
@@ -8480,9 +8538,9 @@
             </a:r>
           </a:p>
           <a:p>
-            <a:pPr marL="628650" lvl="1" indent="-171450">
+            <a:pPr marL="1085850" lvl="2" indent="-171450">
               <a:lnSpc>
-                <a:spcPts val="1840"/>
+                <a:spcPts val="1640"/>
               </a:lnSpc>
               <a:spcBef>
                 <a:spcPts val="600"/>
@@ -9494,7 +9552,7 @@
         </p:nvSpPr>
         <p:spPr>
           <a:xfrm>
-            <a:off x="838200" y="857250"/>
+            <a:off x="990600" y="895350"/>
             <a:ext cx="6934200" cy="3657600"/>
           </a:xfrm>
         </p:spPr>

--- a/draft-gandhi-mpls-rfc6374-sr-04.pptx
+++ b/draft-gandhi-mpls-rfc6374-sr-04.pptx
@@ -6507,7 +6507,7 @@
               </a:spcBef>
             </a:pPr>
             <a:r>
-              <a:rPr lang="en-US" sz="1800" b="1" dirty="0"/>
+              <a:rPr lang="en-US" sz="1800" dirty="0"/>
               <a:t>Reply sent in-band using the RFC 6374 mechanisms (using Control code)</a:t>
             </a:r>
           </a:p>
@@ -6521,7 +6521,7 @@
               </a:spcBef>
             </a:pPr>
             <a:r>
-              <a:rPr lang="en-US" sz="1800" b="1" dirty="0"/>
+              <a:rPr lang="en-US" sz="1800" dirty="0"/>
               <a:t>Return Path TLV can be used from the probe query message for SR-MPLS Paths</a:t>
             </a:r>
           </a:p>
@@ -7102,7 +7102,7 @@
         <p:spPr>
           <a:xfrm>
             <a:off x="234416" y="3398621"/>
-            <a:ext cx="3664394" cy="1323439"/>
+            <a:ext cx="3664394" cy="1077218"/>
           </a:xfrm>
           <a:prstGeom prst="rect">
             <a:avLst/>
@@ -7120,20 +7120,20 @@
               <a:buChar char="•"/>
             </a:pPr>
             <a:r>
-              <a:rPr lang="en-US" sz="1600" b="1" dirty="0">
+              <a:rPr lang="en-US" sz="1600" dirty="0">
                 <a:latin typeface="Calibri" panose="020F0502020204030204" pitchFamily="34" charset="0"/>
                 <a:cs typeface="Calibri" panose="020F0502020204030204" pitchFamily="34" charset="0"/>
               </a:rPr>
-              <a:t>TLV is mandatory when carried in a probe query message and if responder does not support, it MUST return Error </a:t>
-            </a:r>
-            <a:r>
-              <a:rPr lang="en-CA" sz="1600" b="1" dirty="0">
+              <a:t>TLV is mandatory type and if responder does not support, it MUST return Error </a:t>
+            </a:r>
+            <a:r>
+              <a:rPr lang="en-CA" sz="1600" dirty="0">
                 <a:latin typeface="Calibri" panose="020F0502020204030204" pitchFamily="34" charset="0"/>
                 <a:cs typeface="Calibri" panose="020F0502020204030204" pitchFamily="34" charset="0"/>
               </a:rPr>
               <a:t>0x17: Unsupported Mandatory TLV Object</a:t>
             </a:r>
-            <a:endParaRPr lang="en-US" sz="1600" b="1" dirty="0">
+            <a:endParaRPr lang="en-US" sz="1600" dirty="0">
               <a:latin typeface="Calibri" panose="020F0502020204030204" pitchFamily="34" charset="0"/>
               <a:cs typeface="Calibri" panose="020F0502020204030204" pitchFamily="34" charset="0"/>
             </a:endParaRPr>
@@ -7556,11 +7556,11 @@
               </a:spcBef>
             </a:pPr>
             <a:r>
-              <a:rPr lang="en-US" sz="2000" dirty="0">
+              <a:rPr lang="en-US" sz="1800" dirty="0">
                 <a:latin typeface="Calibri" panose="020F0502020204030204" pitchFamily="34" charset="0"/>
                 <a:cs typeface="Calibri" panose="020F0502020204030204" pitchFamily="34" charset="0"/>
               </a:rPr>
-              <a:t>To ensure that the probe query message is processed by the intended responder node, Destination Address TLV [RFC6374] can be sent in the probe query message.  </a:t>
+              <a:t>To ensure that the probe query message is processed by the intended responder node, Destination Address TLV [RFC6374] MAY be sent in the probe query message.  </a:t>
             </a:r>
           </a:p>
           <a:p>
@@ -7573,7 +7573,7 @@
               </a:spcBef>
             </a:pPr>
             <a:r>
-              <a:rPr lang="en-US" sz="2000" dirty="0">
+              <a:rPr lang="en-US" sz="1800" dirty="0">
                 <a:latin typeface="Calibri" panose="020F0502020204030204" pitchFamily="34" charset="0"/>
                 <a:cs typeface="Calibri" panose="020F0502020204030204" pitchFamily="34" charset="0"/>
               </a:rPr>
@@ -7581,7 +7581,7 @@
             </a:r>
           </a:p>
           <a:p>
-            <a:pPr>
+            <a:pPr lvl="1">
               <a:lnSpc>
                 <a:spcPts val="2460"/>
               </a:lnSpc>
@@ -7590,7 +7590,7 @@
               </a:spcBef>
             </a:pPr>
             <a:r>
-              <a:rPr lang="en-US" sz="2000" dirty="0">
+              <a:rPr lang="en-US" sz="1800" dirty="0">
                 <a:latin typeface="Calibri" panose="020F0502020204030204" pitchFamily="34" charset="0"/>
                 <a:cs typeface="Calibri" panose="020F0502020204030204" pitchFamily="34" charset="0"/>
               </a:rPr>
@@ -7606,7 +7606,7 @@
                 <a:spcPts val="600"/>
               </a:spcBef>
             </a:pPr>
-            <a:endParaRPr lang="en-US" sz="2000" dirty="0">
+            <a:endParaRPr lang="en-US" sz="1800" dirty="0">
               <a:latin typeface="Calibri" panose="020F0502020204030204" pitchFamily="34" charset="0"/>
               <a:cs typeface="Calibri" panose="020F0502020204030204" pitchFamily="34" charset="0"/>
             </a:endParaRPr>
@@ -7993,7 +7993,7 @@
         <p:spPr>
           <a:xfrm>
             <a:off x="609600" y="2803062"/>
-            <a:ext cx="8229600" cy="1815882"/>
+            <a:ext cx="8229600" cy="1569660"/>
           </a:xfrm>
           <a:prstGeom prst="rect">
             <a:avLst/>
@@ -8081,14 +8081,14 @@
               <a:buChar char="•"/>
             </a:pPr>
             <a:r>
-              <a:rPr lang="en-US" sz="1600" b="1" dirty="0">
+              <a:rPr lang="en-US" sz="1600" dirty="0">
                 <a:solidFill>
                   <a:schemeClr val="tx2"/>
                 </a:solidFill>
                 <a:latin typeface="Calibri" panose="020F0502020204030204" pitchFamily="34" charset="0"/>
                 <a:cs typeface="Calibri" panose="020F0502020204030204" pitchFamily="34" charset="0"/>
               </a:rPr>
-              <a:t>TLV is mandatory when carried in a probe query message and if responder does not support, it MUST return </a:t>
+              <a:t>TLV is mandatory type and if responder does not support, it MUST return </a:t>
             </a:r>
           </a:p>
           <a:p>
@@ -8097,7 +8097,7 @@
               <a:buChar char="•"/>
             </a:pPr>
             <a:r>
-              <a:rPr lang="en-US" sz="1600" b="1" dirty="0">
+              <a:rPr lang="en-US" sz="1600" dirty="0">
                 <a:solidFill>
                   <a:schemeClr val="tx2"/>
                 </a:solidFill>
@@ -8107,7 +8107,7 @@
               <a:t>Error </a:t>
             </a:r>
             <a:r>
-              <a:rPr lang="en-CA" sz="1600" b="1" dirty="0">
+              <a:rPr lang="en-CA" sz="1600" dirty="0">
                 <a:solidFill>
                   <a:schemeClr val="tx2"/>
                 </a:solidFill>
@@ -8116,7 +8116,7 @@
               </a:rPr>
               <a:t>0x17: Unsupported Mandatory TLV Object</a:t>
             </a:r>
-            <a:endParaRPr lang="en-US" sz="1600" b="1" dirty="0">
+            <a:endParaRPr lang="en-US" sz="1600" dirty="0">
               <a:solidFill>
                 <a:schemeClr val="tx2"/>
               </a:solidFill>
@@ -8459,8 +8459,8 @@
         </p:nvSpPr>
         <p:spPr>
           <a:xfrm>
-            <a:off x="228600" y="3287499"/>
-            <a:ext cx="8763000" cy="1349087"/>
+            <a:off x="374374" y="3273951"/>
+            <a:ext cx="8610600" cy="1554272"/>
           </a:xfrm>
           <a:prstGeom prst="rect">
             <a:avLst/>
